--- a/activities/2023_07_01_春松客服社区会议/2023_07_01_春松客服社区会议_waittingroom.pptx
+++ b/activities/2023_07_01_春松客服社区会议/2023_07_01_春松客服社区会议_waittingroom.pptx
@@ -5,10 +5,11 @@
     <p:sldMasterId id="2147483786" r:id="rId1"/>
   </p:sldMasterIdLst>
   <p:notesMasterIdLst>
-    <p:notesMasterId r:id="rId3"/>
+    <p:notesMasterId r:id="rId4"/>
   </p:notesMasterIdLst>
   <p:sldIdLst>
     <p:sldId id="256" r:id="rId2"/>
+    <p:sldId id="257" r:id="rId3"/>
   </p:sldIdLst>
   <p:sldSz cx="9875838" cy="5851525"/>
   <p:notesSz cx="6858000" cy="9144000"/>
@@ -4663,6 +4664,212 @@
       </p:par>
     </p:tnLst>
   </p:timing>
+</p:sld>
+</file>
+
+<file path=ppt/slides/slide2.xml><?xml version="1.0" encoding="utf-8"?>
+<p:sld xmlns:a="http://schemas.openxmlformats.org/drawingml/2006/main" xmlns:r="http://schemas.openxmlformats.org/officeDocument/2006/relationships" xmlns:p="http://schemas.openxmlformats.org/presentationml/2006/main" show="0">
+  <p:cSld>
+    <p:spTree>
+      <p:nvGrpSpPr>
+        <p:cNvPr id="1" name=""/>
+        <p:cNvGrpSpPr/>
+        <p:nvPr/>
+      </p:nvGrpSpPr>
+      <p:grpSpPr>
+        <a:xfrm>
+          <a:off x="0" y="0"/>
+          <a:ext cx="0" cy="0"/>
+          <a:chOff x="0" y="0"/>
+          <a:chExt cx="0" cy="0"/>
+        </a:xfrm>
+      </p:grpSpPr>
+      <p:pic>
+        <p:nvPicPr>
+          <p:cNvPr id="3" name="图片 2" descr="图片包含 形状&#10;&#10;描述已自动生成">
+            <a:extLst>
+              <a:ext uri="{FF2B5EF4-FFF2-40B4-BE49-F238E27FC236}">
+                <a16:creationId xmlns:a16="http://schemas.microsoft.com/office/drawing/2014/main" id="{33504E9D-13F8-1D67-41B2-3A5CC1626EDE}"/>
+              </a:ext>
+            </a:extLst>
+          </p:cNvPr>
+          <p:cNvPicPr>
+            <a:picLocks noChangeAspect="1"/>
+          </p:cNvPicPr>
+          <p:nvPr/>
+        </p:nvPicPr>
+        <p:blipFill>
+          <a:blip r:embed="rId2">
+            <a:extLst>
+              <a:ext uri="{28A0092B-C50C-407E-A947-70E740481C1C}">
+                <a14:useLocalDpi xmlns:a14="http://schemas.microsoft.com/office/drawing/2010/main" val="0"/>
+              </a:ext>
+            </a:extLst>
+          </a:blip>
+          <a:stretch>
+            <a:fillRect/>
+          </a:stretch>
+        </p:blipFill>
+        <p:spPr>
+          <a:xfrm>
+            <a:off x="1148257" y="3251200"/>
+            <a:ext cx="1530536" cy="1463675"/>
+          </a:xfrm>
+          <a:prstGeom prst="rect">
+            <a:avLst/>
+          </a:prstGeom>
+        </p:spPr>
+      </p:pic>
+      <p:sp>
+        <p:nvSpPr>
+          <p:cNvPr id="4" name="文本框 3">
+            <a:extLst>
+              <a:ext uri="{FF2B5EF4-FFF2-40B4-BE49-F238E27FC236}">
+                <a16:creationId xmlns:a16="http://schemas.microsoft.com/office/drawing/2014/main" id="{355AACCF-1786-52E0-AFBC-80A1A2526B1A}"/>
+              </a:ext>
+            </a:extLst>
+          </p:cNvPr>
+          <p:cNvSpPr txBox="1"/>
+          <p:nvPr/>
+        </p:nvSpPr>
+        <p:spPr>
+          <a:xfrm>
+            <a:off x="2933700" y="2998787"/>
+            <a:ext cx="5410200" cy="1107996"/>
+          </a:xfrm>
+          <a:prstGeom prst="rect">
+            <a:avLst/>
+          </a:prstGeom>
+          <a:noFill/>
+        </p:spPr>
+        <p:txBody>
+          <a:bodyPr wrap="square" rtlCol="0">
+            <a:spAutoFit/>
+          </a:bodyPr>
+          <a:lstStyle/>
+          <a:p>
+            <a:pPr algn="dist"/>
+            <a:r>
+              <a:rPr lang="zh-CN" altLang="en-US" sz="6600" dirty="0">
+                <a:solidFill>
+                  <a:schemeClr val="bg1"/>
+                </a:solidFill>
+                <a:latin typeface="HarmonyOS Sans SC Black" panose="00000A00000000000000" pitchFamily="2" charset="-122"/>
+                <a:ea typeface="HarmonyOS Sans SC Black" panose="00000A00000000000000" pitchFamily="2" charset="-122"/>
+              </a:rPr>
+              <a:t>春松客服</a:t>
+            </a:r>
+          </a:p>
+        </p:txBody>
+      </p:sp>
+      <p:sp>
+        <p:nvSpPr>
+          <p:cNvPr id="5" name="文本框 4">
+            <a:extLst>
+              <a:ext uri="{FF2B5EF4-FFF2-40B4-BE49-F238E27FC236}">
+                <a16:creationId xmlns:a16="http://schemas.microsoft.com/office/drawing/2014/main" id="{06F51A8A-4668-ED79-08FD-B4A62334B710}"/>
+              </a:ext>
+            </a:extLst>
+          </p:cNvPr>
+          <p:cNvSpPr txBox="1"/>
+          <p:nvPr/>
+        </p:nvSpPr>
+        <p:spPr>
+          <a:xfrm>
+            <a:off x="896097" y="945812"/>
+            <a:ext cx="8083643" cy="1200329"/>
+          </a:xfrm>
+          <a:prstGeom prst="rect">
+            <a:avLst/>
+          </a:prstGeom>
+          <a:noFill/>
+        </p:spPr>
+        <p:txBody>
+          <a:bodyPr wrap="square" rtlCol="0">
+            <a:spAutoFit/>
+          </a:bodyPr>
+          <a:lstStyle/>
+          <a:p>
+            <a:pPr algn="dist"/>
+            <a:r>
+              <a:rPr lang="zh-CN" altLang="en-US" sz="7200" dirty="0">
+                <a:solidFill>
+                  <a:srgbClr val="FF0000"/>
+                </a:solidFill>
+                <a:latin typeface="HarmonyOS Sans SC Black" panose="00000A00000000000000" pitchFamily="2" charset="-122"/>
+                <a:ea typeface="HarmonyOS Sans SC Black" panose="00000A00000000000000" pitchFamily="2" charset="-122"/>
+              </a:rPr>
+              <a:t>开源社区会议</a:t>
+            </a:r>
+          </a:p>
+        </p:txBody>
+      </p:sp>
+      <p:sp>
+        <p:nvSpPr>
+          <p:cNvPr id="6" name="文本框 5">
+            <a:extLst>
+              <a:ext uri="{FF2B5EF4-FFF2-40B4-BE49-F238E27FC236}">
+                <a16:creationId xmlns:a16="http://schemas.microsoft.com/office/drawing/2014/main" id="{D70C7B75-51FB-3A64-9383-EB7815844BA9}"/>
+              </a:ext>
+            </a:extLst>
+          </p:cNvPr>
+          <p:cNvSpPr txBox="1"/>
+          <p:nvPr/>
+        </p:nvSpPr>
+        <p:spPr>
+          <a:xfrm flipH="1">
+            <a:off x="2933700" y="4197827"/>
+            <a:ext cx="7580631" cy="707886"/>
+          </a:xfrm>
+          <a:prstGeom prst="rect">
+            <a:avLst/>
+          </a:prstGeom>
+          <a:noFill/>
+        </p:spPr>
+        <p:txBody>
+          <a:bodyPr wrap="square" rtlCol="0">
+            <a:spAutoFit/>
+          </a:bodyPr>
+          <a:lstStyle/>
+          <a:p>
+            <a:r>
+              <a:rPr lang="en-US" altLang="zh-CN" sz="4000" dirty="0">
+                <a:solidFill>
+                  <a:schemeClr val="bg1"/>
+                </a:solidFill>
+                <a:latin typeface="+mj-ea"/>
+                <a:ea typeface="+mj-ea"/>
+              </a:rPr>
+              <a:t>https://www.cskefu.com</a:t>
+            </a:r>
+            <a:endParaRPr lang="zh-CN" altLang="en-US" sz="4000" dirty="0">
+              <a:solidFill>
+                <a:schemeClr val="bg1"/>
+              </a:solidFill>
+              <a:latin typeface="+mj-ea"/>
+              <a:ea typeface="+mj-ea"/>
+            </a:endParaRPr>
+          </a:p>
+        </p:txBody>
+      </p:sp>
+    </p:spTree>
+    <p:extLst>
+      <p:ext uri="{BB962C8B-B14F-4D97-AF65-F5344CB8AC3E}">
+        <p14:creationId xmlns:p14="http://schemas.microsoft.com/office/powerpoint/2010/main" val="2732760990"/>
+      </p:ext>
+    </p:extLst>
+  </p:cSld>
+  <p:clrMapOvr>
+    <a:masterClrMapping/>
+  </p:clrMapOvr>
+  <mc:AlternateContent xmlns:mc="http://schemas.openxmlformats.org/markup-compatibility/2006">
+    <mc:Choice xmlns:p14="http://schemas.microsoft.com/office/powerpoint/2010/main" Requires="p14">
+      <p:transition p14:dur="10" advClick="0"/>
+    </mc:Choice>
+    <mc:Fallback>
+      <p:transition advClick="0"/>
+    </mc:Fallback>
+  </mc:AlternateContent>
 </p:sld>
 </file>
 
